--- a/Brain Tumor Detection.pptx
+++ b/Brain Tumor Detection.pptx
@@ -20,20 +20,27 @@
   <p:notesSz cx="6858000" cy="9144000"/>
   <p:embeddedFontLst>
     <p:embeddedFont>
-      <p:font typeface="Luktao" panose="020B0604020202020204" charset="-34"/>
+      <p:font typeface="Nourd" panose="020B0604020202020204" charset="0"/>
       <p:regular r:id="rId12"/>
     </p:embeddedFont>
     <p:embeddedFont>
-      <p:font typeface="Luktao Bold" panose="020B0604020202020204" charset="-34"/>
+      <p:font typeface="Luktao" panose="020B0604020202020204" charset="-34"/>
       <p:regular r:id="rId13"/>
     </p:embeddedFont>
     <p:embeddedFont>
-      <p:font typeface="Nourd" panose="020B0604020202020204" charset="0"/>
+      <p:font typeface="Nourd Bold" panose="020B0604020202020204" charset="0"/>
       <p:regular r:id="rId14"/>
     </p:embeddedFont>
     <p:embeddedFont>
-      <p:font typeface="Nourd Bold" panose="020B0604020202020204" charset="0"/>
+      <p:font typeface="Calibri" panose="020F0502020204030204" pitchFamily="34" charset="0"/>
       <p:regular r:id="rId15"/>
+      <p:bold r:id="rId16"/>
+      <p:italic r:id="rId17"/>
+      <p:boldItalic r:id="rId18"/>
+    </p:embeddedFont>
+    <p:embeddedFont>
+      <p:font typeface="Luktao Bold" panose="020B0604020202020204" charset="-34"/>
+      <p:regular r:id="rId19"/>
     </p:embeddedFont>
   </p:embeddedFontLst>
   <p:defaultTextStyle>
@@ -3131,7 +3138,7 @@
             <a:blip r:embed="rId2">
               <a:extLst>
                 <a:ext uri="{96DAC541-7B7A-43D3-8B79-37D633B846F1}">
-                  <asvg:svgBlip xmlns:asvg="http://schemas.microsoft.com/office/drawing/2016/SVG/main" r:embed="rId3"/>
+                  <asvg:svgBlip xmlns:asvg="http://schemas.microsoft.com/office/drawing/2016/SVG/main" xmlns="" r:embed="rId3"/>
                 </a:ext>
               </a:extLst>
             </a:blip>
@@ -3190,7 +3197,7 @@
             <a:blip r:embed="rId4">
               <a:extLst>
                 <a:ext uri="{96DAC541-7B7A-43D3-8B79-37D633B846F1}">
-                  <asvg:svgBlip xmlns:asvg="http://schemas.microsoft.com/office/drawing/2016/SVG/main" r:embed="rId5"/>
+                  <asvg:svgBlip xmlns:asvg="http://schemas.microsoft.com/office/drawing/2016/SVG/main" xmlns="" r:embed="rId5"/>
                 </a:ext>
               </a:extLst>
             </a:blip>
@@ -3249,7 +3256,7 @@
             <a:blip r:embed="rId6">
               <a:extLst>
                 <a:ext uri="{96DAC541-7B7A-43D3-8B79-37D633B846F1}">
-                  <asvg:svgBlip xmlns:asvg="http://schemas.microsoft.com/office/drawing/2016/SVG/main" r:embed="rId7"/>
+                  <asvg:svgBlip xmlns:asvg="http://schemas.microsoft.com/office/drawing/2016/SVG/main" xmlns="" r:embed="rId7"/>
                 </a:ext>
               </a:extLst>
             </a:blip>
@@ -3308,7 +3315,7 @@
             <a:blip r:embed="rId8">
               <a:extLst>
                 <a:ext uri="{96DAC541-7B7A-43D3-8B79-37D633B846F1}">
-                  <asvg:svgBlip xmlns:asvg="http://schemas.microsoft.com/office/drawing/2016/SVG/main" r:embed="rId9"/>
+                  <asvg:svgBlip xmlns:asvg="http://schemas.microsoft.com/office/drawing/2016/SVG/main" xmlns="" r:embed="rId9"/>
                 </a:ext>
               </a:extLst>
             </a:blip>
@@ -3367,7 +3374,7 @@
             <a:blip r:embed="rId10">
               <a:extLst>
                 <a:ext uri="{96DAC541-7B7A-43D3-8B79-37D633B846F1}">
-                  <asvg:svgBlip xmlns:asvg="http://schemas.microsoft.com/office/drawing/2016/SVG/main" r:embed="rId11"/>
+                  <asvg:svgBlip xmlns:asvg="http://schemas.microsoft.com/office/drawing/2016/SVG/main" xmlns="" r:embed="rId11"/>
                 </a:ext>
               </a:extLst>
             </a:blip>
@@ -3541,7 +3548,7 @@
             <a:blip r:embed="rId2">
               <a:extLst>
                 <a:ext uri="{96DAC541-7B7A-43D3-8B79-37D633B846F1}">
-                  <asvg:svgBlip xmlns:asvg="http://schemas.microsoft.com/office/drawing/2016/SVG/main" r:embed="rId3"/>
+                  <asvg:svgBlip xmlns:asvg="http://schemas.microsoft.com/office/drawing/2016/SVG/main" xmlns="" r:embed="rId3"/>
                 </a:ext>
               </a:extLst>
             </a:blip>
@@ -3600,7 +3607,7 @@
             <a:blip r:embed="rId4">
               <a:extLst>
                 <a:ext uri="{96DAC541-7B7A-43D3-8B79-37D633B846F1}">
-                  <asvg:svgBlip xmlns:asvg="http://schemas.microsoft.com/office/drawing/2016/SVG/main" r:embed="rId5"/>
+                  <asvg:svgBlip xmlns:asvg="http://schemas.microsoft.com/office/drawing/2016/SVG/main" xmlns="" r:embed="rId5"/>
                 </a:ext>
               </a:extLst>
             </a:blip>
@@ -3659,7 +3666,7 @@
             <a:blip r:embed="rId6">
               <a:extLst>
                 <a:ext uri="{96DAC541-7B7A-43D3-8B79-37D633B846F1}">
-                  <asvg:svgBlip xmlns:asvg="http://schemas.microsoft.com/office/drawing/2016/SVG/main" r:embed="rId7"/>
+                  <asvg:svgBlip xmlns:asvg="http://schemas.microsoft.com/office/drawing/2016/SVG/main" xmlns="" r:embed="rId7"/>
                 </a:ext>
               </a:extLst>
             </a:blip>
@@ -3718,7 +3725,7 @@
             <a:blip r:embed="rId2">
               <a:extLst>
                 <a:ext uri="{96DAC541-7B7A-43D3-8B79-37D633B846F1}">
-                  <asvg:svgBlip xmlns:asvg="http://schemas.microsoft.com/office/drawing/2016/SVG/main" r:embed="rId3"/>
+                  <asvg:svgBlip xmlns:asvg="http://schemas.microsoft.com/office/drawing/2016/SVG/main" xmlns="" r:embed="rId3"/>
                 </a:ext>
               </a:extLst>
             </a:blip>
@@ -3777,7 +3784,7 @@
             <a:blip r:embed="rId8">
               <a:extLst>
                 <a:ext uri="{96DAC541-7B7A-43D3-8B79-37D633B846F1}">
-                  <asvg:svgBlip xmlns:asvg="http://schemas.microsoft.com/office/drawing/2016/SVG/main" r:embed="rId9"/>
+                  <asvg:svgBlip xmlns:asvg="http://schemas.microsoft.com/office/drawing/2016/SVG/main" xmlns="" r:embed="rId9"/>
                 </a:ext>
               </a:extLst>
             </a:blip>
@@ -3877,7 +3884,7 @@
             <a:blip r:embed="rId10">
               <a:extLst>
                 <a:ext uri="{96DAC541-7B7A-43D3-8B79-37D633B846F1}">
-                  <asvg:svgBlip xmlns:asvg="http://schemas.microsoft.com/office/drawing/2016/SVG/main" r:embed="rId11"/>
+                  <asvg:svgBlip xmlns:asvg="http://schemas.microsoft.com/office/drawing/2016/SVG/main" xmlns="" r:embed="rId11"/>
                 </a:ext>
               </a:extLst>
             </a:blip>
@@ -4025,7 +4032,7 @@
             <a:blip r:embed="rId2">
               <a:extLst>
                 <a:ext uri="{96DAC541-7B7A-43D3-8B79-37D633B846F1}">
-                  <asvg:svgBlip xmlns:asvg="http://schemas.microsoft.com/office/drawing/2016/SVG/main" r:embed="rId3"/>
+                  <asvg:svgBlip xmlns:asvg="http://schemas.microsoft.com/office/drawing/2016/SVG/main" xmlns="" r:embed="rId3"/>
                 </a:ext>
               </a:extLst>
             </a:blip>
@@ -4084,7 +4091,7 @@
             <a:blip r:embed="rId4">
               <a:extLst>
                 <a:ext uri="{96DAC541-7B7A-43D3-8B79-37D633B846F1}">
-                  <asvg:svgBlip xmlns:asvg="http://schemas.microsoft.com/office/drawing/2016/SVG/main" r:embed="rId5"/>
+                  <asvg:svgBlip xmlns:asvg="http://schemas.microsoft.com/office/drawing/2016/SVG/main" xmlns="" r:embed="rId5"/>
                 </a:ext>
               </a:extLst>
             </a:blip>
@@ -4143,7 +4150,7 @@
             <a:blip r:embed="rId6">
               <a:extLst>
                 <a:ext uri="{96DAC541-7B7A-43D3-8B79-37D633B846F1}">
-                  <asvg:svgBlip xmlns:asvg="http://schemas.microsoft.com/office/drawing/2016/SVG/main" r:embed="rId7"/>
+                  <asvg:svgBlip xmlns:asvg="http://schemas.microsoft.com/office/drawing/2016/SVG/main" xmlns="" r:embed="rId7"/>
                 </a:ext>
               </a:extLst>
             </a:blip>
@@ -4202,7 +4209,7 @@
             <a:blip r:embed="rId2">
               <a:extLst>
                 <a:ext uri="{96DAC541-7B7A-43D3-8B79-37D633B846F1}">
-                  <asvg:svgBlip xmlns:asvg="http://schemas.microsoft.com/office/drawing/2016/SVG/main" r:embed="rId3"/>
+                  <asvg:svgBlip xmlns:asvg="http://schemas.microsoft.com/office/drawing/2016/SVG/main" xmlns="" r:embed="rId3"/>
                 </a:ext>
               </a:extLst>
             </a:blip>
@@ -4261,7 +4268,7 @@
             <a:blip r:embed="rId8">
               <a:extLst>
                 <a:ext uri="{96DAC541-7B7A-43D3-8B79-37D633B846F1}">
-                  <asvg:svgBlip xmlns:asvg="http://schemas.microsoft.com/office/drawing/2016/SVG/main" r:embed="rId9"/>
+                  <asvg:svgBlip xmlns:asvg="http://schemas.microsoft.com/office/drawing/2016/SVG/main" xmlns="" r:embed="rId9"/>
                 </a:ext>
               </a:extLst>
             </a:blip>
@@ -4320,7 +4327,7 @@
             <a:blip r:embed="rId10">
               <a:extLst>
                 <a:ext uri="{96DAC541-7B7A-43D3-8B79-37D633B846F1}">
-                  <asvg:svgBlip xmlns:asvg="http://schemas.microsoft.com/office/drawing/2016/SVG/main" r:embed="rId11"/>
+                  <asvg:svgBlip xmlns:asvg="http://schemas.microsoft.com/office/drawing/2016/SVG/main" xmlns="" r:embed="rId11"/>
                 </a:ext>
               </a:extLst>
             </a:blip>
@@ -4379,7 +4386,7 @@
             <a:blip r:embed="rId2">
               <a:extLst>
                 <a:ext uri="{96DAC541-7B7A-43D3-8B79-37D633B846F1}">
-                  <asvg:svgBlip xmlns:asvg="http://schemas.microsoft.com/office/drawing/2016/SVG/main" r:embed="rId3"/>
+                  <asvg:svgBlip xmlns:asvg="http://schemas.microsoft.com/office/drawing/2016/SVG/main" xmlns="" r:embed="rId3"/>
                 </a:ext>
               </a:extLst>
             </a:blip>
@@ -4865,7 +4872,7 @@
             <a:blip r:embed="rId2">
               <a:extLst>
                 <a:ext uri="{96DAC541-7B7A-43D3-8B79-37D633B846F1}">
-                  <asvg:svgBlip xmlns:asvg="http://schemas.microsoft.com/office/drawing/2016/SVG/main" r:embed="rId3"/>
+                  <asvg:svgBlip xmlns:asvg="http://schemas.microsoft.com/office/drawing/2016/SVG/main" xmlns="" r:embed="rId3"/>
                 </a:ext>
               </a:extLst>
             </a:blip>
@@ -4924,7 +4931,7 @@
             <a:blip r:embed="rId4">
               <a:extLst>
                 <a:ext uri="{96DAC541-7B7A-43D3-8B79-37D633B846F1}">
-                  <asvg:svgBlip xmlns:asvg="http://schemas.microsoft.com/office/drawing/2016/SVG/main" r:embed="rId5"/>
+                  <asvg:svgBlip xmlns:asvg="http://schemas.microsoft.com/office/drawing/2016/SVG/main" xmlns="" r:embed="rId5"/>
                 </a:ext>
               </a:extLst>
             </a:blip>
@@ -4983,7 +4990,7 @@
             <a:blip r:embed="rId6">
               <a:extLst>
                 <a:ext uri="{96DAC541-7B7A-43D3-8B79-37D633B846F1}">
-                  <asvg:svgBlip xmlns:asvg="http://schemas.microsoft.com/office/drawing/2016/SVG/main" r:embed="rId7"/>
+                  <asvg:svgBlip xmlns:asvg="http://schemas.microsoft.com/office/drawing/2016/SVG/main" xmlns="" r:embed="rId7"/>
                 </a:ext>
               </a:extLst>
             </a:blip>
@@ -5338,7 +5345,7 @@
             <a:blip r:embed="rId2">
               <a:extLst>
                 <a:ext uri="{96DAC541-7B7A-43D3-8B79-37D633B846F1}">
-                  <asvg:svgBlip xmlns:asvg="http://schemas.microsoft.com/office/drawing/2016/SVG/main" r:embed="rId3"/>
+                  <asvg:svgBlip xmlns:asvg="http://schemas.microsoft.com/office/drawing/2016/SVG/main" xmlns="" r:embed="rId3"/>
                 </a:ext>
               </a:extLst>
             </a:blip>
@@ -5397,7 +5404,7 @@
             <a:blip r:embed="rId8">
               <a:extLst>
                 <a:ext uri="{96DAC541-7B7A-43D3-8B79-37D633B846F1}">
-                  <asvg:svgBlip xmlns:asvg="http://schemas.microsoft.com/office/drawing/2016/SVG/main" r:embed="rId9"/>
+                  <asvg:svgBlip xmlns:asvg="http://schemas.microsoft.com/office/drawing/2016/SVG/main" xmlns="" r:embed="rId9"/>
                 </a:ext>
               </a:extLst>
             </a:blip>
@@ -5456,7 +5463,7 @@
             <a:blip r:embed="rId10">
               <a:extLst>
                 <a:ext uri="{96DAC541-7B7A-43D3-8B79-37D633B846F1}">
-                  <asvg:svgBlip xmlns:asvg="http://schemas.microsoft.com/office/drawing/2016/SVG/main" r:embed="rId11"/>
+                  <asvg:svgBlip xmlns:asvg="http://schemas.microsoft.com/office/drawing/2016/SVG/main" xmlns="" r:embed="rId11"/>
                 </a:ext>
               </a:extLst>
             </a:blip>
@@ -5548,7 +5555,7 @@
             <a:blip r:embed="rId2">
               <a:extLst>
                 <a:ext uri="{96DAC541-7B7A-43D3-8B79-37D633B846F1}">
-                  <asvg:svgBlip xmlns:asvg="http://schemas.microsoft.com/office/drawing/2016/SVG/main" r:embed="rId3"/>
+                  <asvg:svgBlip xmlns:asvg="http://schemas.microsoft.com/office/drawing/2016/SVG/main" xmlns="" r:embed="rId3"/>
                 </a:ext>
               </a:extLst>
             </a:blip>
@@ -5607,7 +5614,7 @@
             <a:blip r:embed="rId4">
               <a:extLst>
                 <a:ext uri="{96DAC541-7B7A-43D3-8B79-37D633B846F1}">
-                  <asvg:svgBlip xmlns:asvg="http://schemas.microsoft.com/office/drawing/2016/SVG/main" r:embed="rId5"/>
+                  <asvg:svgBlip xmlns:asvg="http://schemas.microsoft.com/office/drawing/2016/SVG/main" xmlns="" r:embed="rId5"/>
                 </a:ext>
               </a:extLst>
             </a:blip>
@@ -5666,7 +5673,7 @@
             <a:blip r:embed="rId6">
               <a:extLst>
                 <a:ext uri="{96DAC541-7B7A-43D3-8B79-37D633B846F1}">
-                  <asvg:svgBlip xmlns:asvg="http://schemas.microsoft.com/office/drawing/2016/SVG/main" r:embed="rId7"/>
+                  <asvg:svgBlip xmlns:asvg="http://schemas.microsoft.com/office/drawing/2016/SVG/main" xmlns="" r:embed="rId7"/>
                 </a:ext>
               </a:extLst>
             </a:blip>
@@ -6026,7 +6033,7 @@
             <a:blip r:embed="rId2">
               <a:extLst>
                 <a:ext uri="{96DAC541-7B7A-43D3-8B79-37D633B846F1}">
-                  <asvg:svgBlip xmlns:asvg="http://schemas.microsoft.com/office/drawing/2016/SVG/main" r:embed="rId3"/>
+                  <asvg:svgBlip xmlns:asvg="http://schemas.microsoft.com/office/drawing/2016/SVG/main" xmlns="" r:embed="rId3"/>
                 </a:ext>
               </a:extLst>
             </a:blip>
@@ -6085,7 +6092,7 @@
             <a:blip r:embed="rId8">
               <a:extLst>
                 <a:ext uri="{96DAC541-7B7A-43D3-8B79-37D633B846F1}">
-                  <asvg:svgBlip xmlns:asvg="http://schemas.microsoft.com/office/drawing/2016/SVG/main" r:embed="rId9"/>
+                  <asvg:svgBlip xmlns:asvg="http://schemas.microsoft.com/office/drawing/2016/SVG/main" xmlns="" r:embed="rId9"/>
                 </a:ext>
               </a:extLst>
             </a:blip>
@@ -6144,7 +6151,7 @@
             <a:blip r:embed="rId10">
               <a:extLst>
                 <a:ext uri="{96DAC541-7B7A-43D3-8B79-37D633B846F1}">
-                  <asvg:svgBlip xmlns:asvg="http://schemas.microsoft.com/office/drawing/2016/SVG/main" r:embed="rId11"/>
+                  <asvg:svgBlip xmlns:asvg="http://schemas.microsoft.com/office/drawing/2016/SVG/main" xmlns="" r:embed="rId11"/>
                 </a:ext>
               </a:extLst>
             </a:blip>
@@ -6236,7 +6243,7 @@
             <a:blip r:embed="rId2">
               <a:extLst>
                 <a:ext uri="{96DAC541-7B7A-43D3-8B79-37D633B846F1}">
-                  <asvg:svgBlip xmlns:asvg="http://schemas.microsoft.com/office/drawing/2016/SVG/main" r:embed="rId3"/>
+                  <asvg:svgBlip xmlns:asvg="http://schemas.microsoft.com/office/drawing/2016/SVG/main" xmlns="" r:embed="rId3"/>
                 </a:ext>
               </a:extLst>
             </a:blip>
@@ -6295,7 +6302,7 @@
             <a:blip r:embed="rId2">
               <a:extLst>
                 <a:ext uri="{96DAC541-7B7A-43D3-8B79-37D633B846F1}">
-                  <asvg:svgBlip xmlns:asvg="http://schemas.microsoft.com/office/drawing/2016/SVG/main" r:embed="rId3"/>
+                  <asvg:svgBlip xmlns:asvg="http://schemas.microsoft.com/office/drawing/2016/SVG/main" xmlns="" r:embed="rId3"/>
                 </a:ext>
               </a:extLst>
             </a:blip>
@@ -6354,7 +6361,7 @@
             <a:blip r:embed="rId4">
               <a:extLst>
                 <a:ext uri="{96DAC541-7B7A-43D3-8B79-37D633B846F1}">
-                  <asvg:svgBlip xmlns:asvg="http://schemas.microsoft.com/office/drawing/2016/SVG/main" r:embed="rId5"/>
+                  <asvg:svgBlip xmlns:asvg="http://schemas.microsoft.com/office/drawing/2016/SVG/main" xmlns="" r:embed="rId5"/>
                 </a:ext>
               </a:extLst>
             </a:blip>
@@ -6413,7 +6420,7 @@
             <a:blip r:embed="rId6">
               <a:extLst>
                 <a:ext uri="{96DAC541-7B7A-43D3-8B79-37D633B846F1}">
-                  <asvg:svgBlip xmlns:asvg="http://schemas.microsoft.com/office/drawing/2016/SVG/main" r:embed="rId7"/>
+                  <asvg:svgBlip xmlns:asvg="http://schemas.microsoft.com/office/drawing/2016/SVG/main" xmlns="" r:embed="rId7"/>
                 </a:ext>
               </a:extLst>
             </a:blip>
@@ -6681,7 +6688,7 @@
             <a:blip r:embed="rId8">
               <a:extLst>
                 <a:ext uri="{96DAC541-7B7A-43D3-8B79-37D633B846F1}">
-                  <asvg:svgBlip xmlns:asvg="http://schemas.microsoft.com/office/drawing/2016/SVG/main" r:embed="rId9"/>
+                  <asvg:svgBlip xmlns:asvg="http://schemas.microsoft.com/office/drawing/2016/SVG/main" xmlns="" r:embed="rId9"/>
                 </a:ext>
               </a:extLst>
             </a:blip>
@@ -6740,7 +6747,7 @@
             <a:blip r:embed="rId10">
               <a:extLst>
                 <a:ext uri="{96DAC541-7B7A-43D3-8B79-37D633B846F1}">
-                  <asvg:svgBlip xmlns:asvg="http://schemas.microsoft.com/office/drawing/2016/SVG/main" r:embed="rId11"/>
+                  <asvg:svgBlip xmlns:asvg="http://schemas.microsoft.com/office/drawing/2016/SVG/main" xmlns="" r:embed="rId11"/>
                 </a:ext>
               </a:extLst>
             </a:blip>
@@ -7067,7 +7074,7 @@
             <a:blip r:embed="rId2">
               <a:extLst>
                 <a:ext uri="{96DAC541-7B7A-43D3-8B79-37D633B846F1}">
-                  <asvg:svgBlip xmlns:asvg="http://schemas.microsoft.com/office/drawing/2016/SVG/main" r:embed="rId3"/>
+                  <asvg:svgBlip xmlns:asvg="http://schemas.microsoft.com/office/drawing/2016/SVG/main" xmlns="" r:embed="rId3"/>
                 </a:ext>
               </a:extLst>
             </a:blip>
@@ -7126,7 +7133,7 @@
             <a:blip r:embed="rId4">
               <a:extLst>
                 <a:ext uri="{96DAC541-7B7A-43D3-8B79-37D633B846F1}">
-                  <asvg:svgBlip xmlns:asvg="http://schemas.microsoft.com/office/drawing/2016/SVG/main" r:embed="rId5"/>
+                  <asvg:svgBlip xmlns:asvg="http://schemas.microsoft.com/office/drawing/2016/SVG/main" xmlns="" r:embed="rId5"/>
                 </a:ext>
               </a:extLst>
             </a:blip>
@@ -7185,7 +7192,7 @@
             <a:blip r:embed="rId6">
               <a:extLst>
                 <a:ext uri="{96DAC541-7B7A-43D3-8B79-37D633B846F1}">
-                  <asvg:svgBlip xmlns:asvg="http://schemas.microsoft.com/office/drawing/2016/SVG/main" r:embed="rId7"/>
+                  <asvg:svgBlip xmlns:asvg="http://schemas.microsoft.com/office/drawing/2016/SVG/main" xmlns="" r:embed="rId7"/>
                 </a:ext>
               </a:extLst>
             </a:blip>
@@ -7326,7 +7333,7 @@
             <a:blip r:embed="rId2">
               <a:extLst>
                 <a:ext uri="{96DAC541-7B7A-43D3-8B79-37D633B846F1}">
-                  <asvg:svgBlip xmlns:asvg="http://schemas.microsoft.com/office/drawing/2016/SVG/main" r:embed="rId3"/>
+                  <asvg:svgBlip xmlns:asvg="http://schemas.microsoft.com/office/drawing/2016/SVG/main" xmlns="" r:embed="rId3"/>
                 </a:ext>
               </a:extLst>
             </a:blip>
@@ -7385,7 +7392,7 @@
             <a:blip r:embed="rId8">
               <a:extLst>
                 <a:ext uri="{96DAC541-7B7A-43D3-8B79-37D633B846F1}">
-                  <asvg:svgBlip xmlns:asvg="http://schemas.microsoft.com/office/drawing/2016/SVG/main" r:embed="rId9"/>
+                  <asvg:svgBlip xmlns:asvg="http://schemas.microsoft.com/office/drawing/2016/SVG/main" xmlns="" r:embed="rId9"/>
                 </a:ext>
               </a:extLst>
             </a:blip>
@@ -7444,7 +7451,7 @@
             <a:blip r:embed="rId10">
               <a:extLst>
                 <a:ext uri="{96DAC541-7B7A-43D3-8B79-37D633B846F1}">
-                  <asvg:svgBlip xmlns:asvg="http://schemas.microsoft.com/office/drawing/2016/SVG/main" r:embed="rId11"/>
+                  <asvg:svgBlip xmlns:asvg="http://schemas.microsoft.com/office/drawing/2016/SVG/main" xmlns="" r:embed="rId11"/>
                 </a:ext>
               </a:extLst>
             </a:blip>
@@ -8110,7 +8117,7 @@
             <a:blip r:embed="rId2">
               <a:extLst>
                 <a:ext uri="{96DAC541-7B7A-43D3-8B79-37D633B846F1}">
-                  <asvg:svgBlip xmlns:asvg="http://schemas.microsoft.com/office/drawing/2016/SVG/main" r:embed="rId3"/>
+                  <asvg:svgBlip xmlns:asvg="http://schemas.microsoft.com/office/drawing/2016/SVG/main" xmlns="" r:embed="rId3"/>
                 </a:ext>
               </a:extLst>
             </a:blip>
@@ -8169,7 +8176,7 @@
             <a:blip r:embed="rId4">
               <a:extLst>
                 <a:ext uri="{96DAC541-7B7A-43D3-8B79-37D633B846F1}">
-                  <asvg:svgBlip xmlns:asvg="http://schemas.microsoft.com/office/drawing/2016/SVG/main" r:embed="rId5"/>
+                  <asvg:svgBlip xmlns:asvg="http://schemas.microsoft.com/office/drawing/2016/SVG/main" xmlns="" r:embed="rId5"/>
                 </a:ext>
               </a:extLst>
             </a:blip>
@@ -8228,7 +8235,7 @@
             <a:blip r:embed="rId6">
               <a:extLst>
                 <a:ext uri="{96DAC541-7B7A-43D3-8B79-37D633B846F1}">
-                  <asvg:svgBlip xmlns:asvg="http://schemas.microsoft.com/office/drawing/2016/SVG/main" r:embed="rId7"/>
+                  <asvg:svgBlip xmlns:asvg="http://schemas.microsoft.com/office/drawing/2016/SVG/main" xmlns="" r:embed="rId7"/>
                 </a:ext>
               </a:extLst>
             </a:blip>
@@ -8431,7 +8438,7 @@
               <a:buChar char="•"/>
             </a:pPr>
             <a:r>
-              <a:rPr lang="en-US" sz="3076">
+              <a:rPr lang="en-US" sz="3076" dirty="0">
                 <a:solidFill>
                   <a:srgbClr val="0166C2"/>
                 </a:solidFill>
@@ -8440,7 +8447,79 @@
                 <a:cs typeface="Nourd"/>
                 <a:sym typeface="Nourd"/>
               </a:rPr>
-              <a:t>Adam combines SGD and RMSProp, which use momentum and adaptive learning rates</a:t>
+              <a:t>Adam combines </a:t>
+            </a:r>
+            <a:r>
+              <a:rPr lang="en-US" sz="3076" dirty="0" smtClean="0">
+                <a:solidFill>
+                  <a:srgbClr val="0166C2"/>
+                </a:solidFill>
+                <a:latin typeface="Nourd"/>
+                <a:ea typeface="Nourd"/>
+                <a:cs typeface="Nourd"/>
+                <a:sym typeface="Nourd"/>
+              </a:rPr>
+              <a:t>Momentum </a:t>
+            </a:r>
+            <a:r>
+              <a:rPr lang="en-US" sz="3076" dirty="0">
+                <a:solidFill>
+                  <a:srgbClr val="0166C2"/>
+                </a:solidFill>
+                <a:latin typeface="Nourd"/>
+                <a:ea typeface="Nourd"/>
+                <a:cs typeface="Nourd"/>
+                <a:sym typeface="Nourd"/>
+              </a:rPr>
+              <a:t>and </a:t>
+            </a:r>
+            <a:r>
+              <a:rPr lang="en-US" sz="3076" dirty="0" err="1">
+                <a:solidFill>
+                  <a:srgbClr val="0166C2"/>
+                </a:solidFill>
+                <a:latin typeface="Nourd"/>
+                <a:ea typeface="Nourd"/>
+                <a:cs typeface="Nourd"/>
+                <a:sym typeface="Nourd"/>
+              </a:rPr>
+              <a:t>RMSProp</a:t>
+            </a:r>
+            <a:r>
+              <a:rPr lang="en-US" sz="3076" dirty="0">
+                <a:solidFill>
+                  <a:srgbClr val="0166C2"/>
+                </a:solidFill>
+                <a:latin typeface="Nourd"/>
+                <a:ea typeface="Nourd"/>
+                <a:cs typeface="Nourd"/>
+                <a:sym typeface="Nourd"/>
+              </a:rPr>
+              <a:t>, which use </a:t>
+            </a:r>
+            <a:r>
+              <a:rPr lang="en-US" sz="3076" dirty="0" smtClean="0">
+                <a:solidFill>
+                  <a:srgbClr val="0166C2"/>
+                </a:solidFill>
+                <a:latin typeface="Nourd"/>
+                <a:ea typeface="Nourd"/>
+                <a:cs typeface="Nourd"/>
+                <a:sym typeface="Nourd"/>
+              </a:rPr>
+              <a:t>momentum terms </a:t>
+            </a:r>
+            <a:r>
+              <a:rPr lang="en-US" sz="3076" dirty="0">
+                <a:solidFill>
+                  <a:srgbClr val="0166C2"/>
+                </a:solidFill>
+                <a:latin typeface="Nourd"/>
+                <a:ea typeface="Nourd"/>
+                <a:cs typeface="Nourd"/>
+                <a:sym typeface="Nourd"/>
+              </a:rPr>
+              <a:t>and adaptive learning rates</a:t>
             </a:r>
           </a:p>
           <a:p>
@@ -8449,7 +8528,7 @@
                 <a:spcPts val="4306"/>
               </a:lnSpc>
             </a:pPr>
-            <a:endParaRPr lang="en-US" sz="3076">
+            <a:endParaRPr lang="en-US" sz="3076" dirty="0">
               <a:solidFill>
                 <a:srgbClr val="0166C2"/>
               </a:solidFill>
@@ -8503,7 +8582,7 @@
             <a:blip r:embed="rId2">
               <a:extLst>
                 <a:ext uri="{96DAC541-7B7A-43D3-8B79-37D633B846F1}">
-                  <asvg:svgBlip xmlns:asvg="http://schemas.microsoft.com/office/drawing/2016/SVG/main" r:embed="rId3"/>
+                  <asvg:svgBlip xmlns:asvg="http://schemas.microsoft.com/office/drawing/2016/SVG/main" xmlns="" r:embed="rId3"/>
                 </a:ext>
               </a:extLst>
             </a:blip>
@@ -8562,7 +8641,7 @@
             <a:blip r:embed="rId8">
               <a:extLst>
                 <a:ext uri="{96DAC541-7B7A-43D3-8B79-37D633B846F1}">
-                  <asvg:svgBlip xmlns:asvg="http://schemas.microsoft.com/office/drawing/2016/SVG/main" r:embed="rId9"/>
+                  <asvg:svgBlip xmlns:asvg="http://schemas.microsoft.com/office/drawing/2016/SVG/main" xmlns="" r:embed="rId9"/>
                 </a:ext>
               </a:extLst>
             </a:blip>
@@ -8621,7 +8700,7 @@
             <a:blip r:embed="rId10">
               <a:extLst>
                 <a:ext uri="{96DAC541-7B7A-43D3-8B79-37D633B846F1}">
-                  <asvg:svgBlip xmlns:asvg="http://schemas.microsoft.com/office/drawing/2016/SVG/main" r:embed="rId11"/>
+                  <asvg:svgBlip xmlns:asvg="http://schemas.microsoft.com/office/drawing/2016/SVG/main" xmlns="" r:embed="rId11"/>
                 </a:ext>
               </a:extLst>
             </a:blip>
@@ -8813,7 +8892,7 @@
             <a:blip r:embed="rId2">
               <a:extLst>
                 <a:ext uri="{96DAC541-7B7A-43D3-8B79-37D633B846F1}">
-                  <asvg:svgBlip xmlns:asvg="http://schemas.microsoft.com/office/drawing/2016/SVG/main" r:embed="rId3"/>
+                  <asvg:svgBlip xmlns:asvg="http://schemas.microsoft.com/office/drawing/2016/SVG/main" xmlns="" r:embed="rId3"/>
                 </a:ext>
               </a:extLst>
             </a:blip>
@@ -8872,7 +8951,7 @@
             <a:blip r:embed="rId4">
               <a:extLst>
                 <a:ext uri="{96DAC541-7B7A-43D3-8B79-37D633B846F1}">
-                  <asvg:svgBlip xmlns:asvg="http://schemas.microsoft.com/office/drawing/2016/SVG/main" r:embed="rId5"/>
+                  <asvg:svgBlip xmlns:asvg="http://schemas.microsoft.com/office/drawing/2016/SVG/main" xmlns="" r:embed="rId5"/>
                 </a:ext>
               </a:extLst>
             </a:blip>
@@ -8931,7 +9010,7 @@
             <a:blip r:embed="rId6">
               <a:extLst>
                 <a:ext uri="{96DAC541-7B7A-43D3-8B79-37D633B846F1}">
-                  <asvg:svgBlip xmlns:asvg="http://schemas.microsoft.com/office/drawing/2016/SVG/main" r:embed="rId7"/>
+                  <asvg:svgBlip xmlns:asvg="http://schemas.microsoft.com/office/drawing/2016/SVG/main" xmlns="" r:embed="rId7"/>
                 </a:ext>
               </a:extLst>
             </a:blip>
@@ -9181,7 +9260,7 @@
             <a:blip r:embed="rId2">
               <a:extLst>
                 <a:ext uri="{96DAC541-7B7A-43D3-8B79-37D633B846F1}">
-                  <asvg:svgBlip xmlns:asvg="http://schemas.microsoft.com/office/drawing/2016/SVG/main" r:embed="rId3"/>
+                  <asvg:svgBlip xmlns:asvg="http://schemas.microsoft.com/office/drawing/2016/SVG/main" xmlns="" r:embed="rId3"/>
                 </a:ext>
               </a:extLst>
             </a:blip>
@@ -9240,7 +9319,7 @@
             <a:blip r:embed="rId8">
               <a:extLst>
                 <a:ext uri="{96DAC541-7B7A-43D3-8B79-37D633B846F1}">
-                  <asvg:svgBlip xmlns:asvg="http://schemas.microsoft.com/office/drawing/2016/SVG/main" r:embed="rId9"/>
+                  <asvg:svgBlip xmlns:asvg="http://schemas.microsoft.com/office/drawing/2016/SVG/main" xmlns="" r:embed="rId9"/>
                 </a:ext>
               </a:extLst>
             </a:blip>
@@ -9299,7 +9378,7 @@
             <a:blip r:embed="rId10">
               <a:extLst>
                 <a:ext uri="{96DAC541-7B7A-43D3-8B79-37D633B846F1}">
-                  <asvg:svgBlip xmlns:asvg="http://schemas.microsoft.com/office/drawing/2016/SVG/main" r:embed="rId11"/>
+                  <asvg:svgBlip xmlns:asvg="http://schemas.microsoft.com/office/drawing/2016/SVG/main" xmlns="" r:embed="rId11"/>
                 </a:ext>
               </a:extLst>
             </a:blip>
@@ -9485,7 +9564,7 @@
             <a:blip r:embed="rId2">
               <a:extLst>
                 <a:ext uri="{96DAC541-7B7A-43D3-8B79-37D633B846F1}">
-                  <asvg:svgBlip xmlns:asvg="http://schemas.microsoft.com/office/drawing/2016/SVG/main" r:embed="rId3"/>
+                  <asvg:svgBlip xmlns:asvg="http://schemas.microsoft.com/office/drawing/2016/SVG/main" xmlns="" r:embed="rId3"/>
                 </a:ext>
               </a:extLst>
             </a:blip>
@@ -9544,7 +9623,7 @@
             <a:blip r:embed="rId4">
               <a:extLst>
                 <a:ext uri="{96DAC541-7B7A-43D3-8B79-37D633B846F1}">
-                  <asvg:svgBlip xmlns:asvg="http://schemas.microsoft.com/office/drawing/2016/SVG/main" r:embed="rId5"/>
+                  <asvg:svgBlip xmlns:asvg="http://schemas.microsoft.com/office/drawing/2016/SVG/main" xmlns="" r:embed="rId5"/>
                 </a:ext>
               </a:extLst>
             </a:blip>
@@ -9603,7 +9682,7 @@
             <a:blip r:embed="rId6">
               <a:extLst>
                 <a:ext uri="{96DAC541-7B7A-43D3-8B79-37D633B846F1}">
-                  <asvg:svgBlip xmlns:asvg="http://schemas.microsoft.com/office/drawing/2016/SVG/main" r:embed="rId7"/>
+                  <asvg:svgBlip xmlns:asvg="http://schemas.microsoft.com/office/drawing/2016/SVG/main" xmlns="" r:embed="rId7"/>
                 </a:ext>
               </a:extLst>
             </a:blip>
@@ -9862,7 +9941,7 @@
             <a:blip r:embed="rId2">
               <a:extLst>
                 <a:ext uri="{96DAC541-7B7A-43D3-8B79-37D633B846F1}">
-                  <asvg:svgBlip xmlns:asvg="http://schemas.microsoft.com/office/drawing/2016/SVG/main" r:embed="rId3"/>
+                  <asvg:svgBlip xmlns:asvg="http://schemas.microsoft.com/office/drawing/2016/SVG/main" xmlns="" r:embed="rId3"/>
                 </a:ext>
               </a:extLst>
             </a:blip>
@@ -9921,7 +10000,7 @@
             <a:blip r:embed="rId8">
               <a:extLst>
                 <a:ext uri="{96DAC541-7B7A-43D3-8B79-37D633B846F1}">
-                  <asvg:svgBlip xmlns:asvg="http://schemas.microsoft.com/office/drawing/2016/SVG/main" r:embed="rId9"/>
+                  <asvg:svgBlip xmlns:asvg="http://schemas.microsoft.com/office/drawing/2016/SVG/main" xmlns="" r:embed="rId9"/>
                 </a:ext>
               </a:extLst>
             </a:blip>
@@ -9980,7 +10059,7 @@
             <a:blip r:embed="rId10">
               <a:extLst>
                 <a:ext uri="{96DAC541-7B7A-43D3-8B79-37D633B846F1}">
-                  <asvg:svgBlip xmlns:asvg="http://schemas.microsoft.com/office/drawing/2016/SVG/main" r:embed="rId11"/>
+                  <asvg:svgBlip xmlns:asvg="http://schemas.microsoft.com/office/drawing/2016/SVG/main" xmlns="" r:embed="rId11"/>
                 </a:ext>
               </a:extLst>
             </a:blip>
